--- a/Other/Mentor Survey Instructions.pptx
+++ b/Other/Mentor Survey Instructions.pptx
@@ -104,6 +104,11 @@
       </a:defRPr>
     </a:lvl9pPr>
   </p:defaultTextStyle>
+  <p:extLst>
+    <p:ext uri="{EFAFB233-063F-42B5-8137-9DF3F51BA10A}">
+      <p15:sldGuideLst xmlns:p15="http://schemas.microsoft.com/office/powerpoint/2012/main"/>
+    </p:ext>
+  </p:extLst>
 </p:presentation>
 </file>
 
@@ -254,7 +259,7 @@
           <a:p>
             <a:fld id="{3CE4A1EF-C8DC-47B8-827C-FF4C88C09EF1}" type="datetimeFigureOut">
               <a:rPr lang="en-US" smtClean="0"/>
-              <a:t>2/2/2019</a:t>
+              <a:t>2/4/2019</a:t>
             </a:fld>
             <a:endParaRPr lang="en-US"/>
           </a:p>
@@ -452,7 +457,7 @@
           <a:p>
             <a:fld id="{3CE4A1EF-C8DC-47B8-827C-FF4C88C09EF1}" type="datetimeFigureOut">
               <a:rPr lang="en-US" smtClean="0"/>
-              <a:t>2/2/2019</a:t>
+              <a:t>2/4/2019</a:t>
             </a:fld>
             <a:endParaRPr lang="en-US"/>
           </a:p>
@@ -660,7 +665,7 @@
           <a:p>
             <a:fld id="{3CE4A1EF-C8DC-47B8-827C-FF4C88C09EF1}" type="datetimeFigureOut">
               <a:rPr lang="en-US" smtClean="0"/>
-              <a:t>2/2/2019</a:t>
+              <a:t>2/4/2019</a:t>
             </a:fld>
             <a:endParaRPr lang="en-US"/>
           </a:p>
@@ -858,7 +863,7 @@
           <a:p>
             <a:fld id="{3CE4A1EF-C8DC-47B8-827C-FF4C88C09EF1}" type="datetimeFigureOut">
               <a:rPr lang="en-US" smtClean="0"/>
-              <a:t>2/2/2019</a:t>
+              <a:t>2/4/2019</a:t>
             </a:fld>
             <a:endParaRPr lang="en-US"/>
           </a:p>
@@ -1133,7 +1138,7 @@
           <a:p>
             <a:fld id="{3CE4A1EF-C8DC-47B8-827C-FF4C88C09EF1}" type="datetimeFigureOut">
               <a:rPr lang="en-US" smtClean="0"/>
-              <a:t>2/2/2019</a:t>
+              <a:t>2/4/2019</a:t>
             </a:fld>
             <a:endParaRPr lang="en-US"/>
           </a:p>
@@ -1398,7 +1403,7 @@
           <a:p>
             <a:fld id="{3CE4A1EF-C8DC-47B8-827C-FF4C88C09EF1}" type="datetimeFigureOut">
               <a:rPr lang="en-US" smtClean="0"/>
-              <a:t>2/2/2019</a:t>
+              <a:t>2/4/2019</a:t>
             </a:fld>
             <a:endParaRPr lang="en-US"/>
           </a:p>
@@ -1810,7 +1815,7 @@
           <a:p>
             <a:fld id="{3CE4A1EF-C8DC-47B8-827C-FF4C88C09EF1}" type="datetimeFigureOut">
               <a:rPr lang="en-US" smtClean="0"/>
-              <a:t>2/2/2019</a:t>
+              <a:t>2/4/2019</a:t>
             </a:fld>
             <a:endParaRPr lang="en-US"/>
           </a:p>
@@ -1951,7 +1956,7 @@
           <a:p>
             <a:fld id="{3CE4A1EF-C8DC-47B8-827C-FF4C88C09EF1}" type="datetimeFigureOut">
               <a:rPr lang="en-US" smtClean="0"/>
-              <a:t>2/2/2019</a:t>
+              <a:t>2/4/2019</a:t>
             </a:fld>
             <a:endParaRPr lang="en-US"/>
           </a:p>
@@ -2064,7 +2069,7 @@
           <a:p>
             <a:fld id="{3CE4A1EF-C8DC-47B8-827C-FF4C88C09EF1}" type="datetimeFigureOut">
               <a:rPr lang="en-US" smtClean="0"/>
-              <a:t>2/2/2019</a:t>
+              <a:t>2/4/2019</a:t>
             </a:fld>
             <a:endParaRPr lang="en-US"/>
           </a:p>
@@ -2375,7 +2380,7 @@
           <a:p>
             <a:fld id="{3CE4A1EF-C8DC-47B8-827C-FF4C88C09EF1}" type="datetimeFigureOut">
               <a:rPr lang="en-US" smtClean="0"/>
-              <a:t>2/2/2019</a:t>
+              <a:t>2/4/2019</a:t>
             </a:fld>
             <a:endParaRPr lang="en-US"/>
           </a:p>
@@ -2663,7 +2668,7 @@
           <a:p>
             <a:fld id="{3CE4A1EF-C8DC-47B8-827C-FF4C88C09EF1}" type="datetimeFigureOut">
               <a:rPr lang="en-US" smtClean="0"/>
-              <a:t>2/2/2019</a:t>
+              <a:t>2/4/2019</a:t>
             </a:fld>
             <a:endParaRPr lang="en-US"/>
           </a:p>
@@ -2904,7 +2909,7 @@
           <a:p>
             <a:fld id="{3CE4A1EF-C8DC-47B8-827C-FF4C88C09EF1}" type="datetimeFigureOut">
               <a:rPr lang="en-US" smtClean="0"/>
-              <a:t>2/2/2019</a:t>
+              <a:t>2/4/2019</a:t>
             </a:fld>
             <a:endParaRPr lang="en-US"/>
           </a:p>
@@ -3615,7 +3620,7 @@
               <a:t>Open an internet browser and go to: </a:t>
             </a:r>
             <a:r>
-              <a:rPr lang="en-US" sz="1700" b="1" u="sng" dirty="0">
+              <a:rPr lang="en-US" sz="2000" b="1" u="sng" dirty="0">
                 <a:solidFill>
                   <a:srgbClr val="0070C0"/>
                 </a:solidFill>
@@ -3647,7 +3652,7 @@
             <a:pPr lvl="1"/>
             <a:r>
               <a:rPr lang="en-US" sz="1700" dirty="0"/>
-              <a:t>E.g. “S19_000”</a:t>
+              <a:t>E.g. “S19_0000”</a:t>
             </a:r>
           </a:p>
           <a:p>

--- a/Other/Mentor Survey Instructions.pptx
+++ b/Other/Mentor Survey Instructions.pptx
@@ -259,7 +259,7 @@
           <a:p>
             <a:fld id="{3CE4A1EF-C8DC-47B8-827C-FF4C88C09EF1}" type="datetimeFigureOut">
               <a:rPr lang="en-US" smtClean="0"/>
-              <a:t>2/4/2019</a:t>
+              <a:t>2/5/2019</a:t>
             </a:fld>
             <a:endParaRPr lang="en-US"/>
           </a:p>
@@ -457,7 +457,7 @@
           <a:p>
             <a:fld id="{3CE4A1EF-C8DC-47B8-827C-FF4C88C09EF1}" type="datetimeFigureOut">
               <a:rPr lang="en-US" smtClean="0"/>
-              <a:t>2/4/2019</a:t>
+              <a:t>2/5/2019</a:t>
             </a:fld>
             <a:endParaRPr lang="en-US"/>
           </a:p>
@@ -665,7 +665,7 @@
           <a:p>
             <a:fld id="{3CE4A1EF-C8DC-47B8-827C-FF4C88C09EF1}" type="datetimeFigureOut">
               <a:rPr lang="en-US" smtClean="0"/>
-              <a:t>2/4/2019</a:t>
+              <a:t>2/5/2019</a:t>
             </a:fld>
             <a:endParaRPr lang="en-US"/>
           </a:p>
@@ -863,7 +863,7 @@
           <a:p>
             <a:fld id="{3CE4A1EF-C8DC-47B8-827C-FF4C88C09EF1}" type="datetimeFigureOut">
               <a:rPr lang="en-US" smtClean="0"/>
-              <a:t>2/4/2019</a:t>
+              <a:t>2/5/2019</a:t>
             </a:fld>
             <a:endParaRPr lang="en-US"/>
           </a:p>
@@ -1138,7 +1138,7 @@
           <a:p>
             <a:fld id="{3CE4A1EF-C8DC-47B8-827C-FF4C88C09EF1}" type="datetimeFigureOut">
               <a:rPr lang="en-US" smtClean="0"/>
-              <a:t>2/4/2019</a:t>
+              <a:t>2/5/2019</a:t>
             </a:fld>
             <a:endParaRPr lang="en-US"/>
           </a:p>
@@ -1403,7 +1403,7 @@
           <a:p>
             <a:fld id="{3CE4A1EF-C8DC-47B8-827C-FF4C88C09EF1}" type="datetimeFigureOut">
               <a:rPr lang="en-US" smtClean="0"/>
-              <a:t>2/4/2019</a:t>
+              <a:t>2/5/2019</a:t>
             </a:fld>
             <a:endParaRPr lang="en-US"/>
           </a:p>
@@ -1815,7 +1815,7 @@
           <a:p>
             <a:fld id="{3CE4A1EF-C8DC-47B8-827C-FF4C88C09EF1}" type="datetimeFigureOut">
               <a:rPr lang="en-US" smtClean="0"/>
-              <a:t>2/4/2019</a:t>
+              <a:t>2/5/2019</a:t>
             </a:fld>
             <a:endParaRPr lang="en-US"/>
           </a:p>
@@ -1956,7 +1956,7 @@
           <a:p>
             <a:fld id="{3CE4A1EF-C8DC-47B8-827C-FF4C88C09EF1}" type="datetimeFigureOut">
               <a:rPr lang="en-US" smtClean="0"/>
-              <a:t>2/4/2019</a:t>
+              <a:t>2/5/2019</a:t>
             </a:fld>
             <a:endParaRPr lang="en-US"/>
           </a:p>
@@ -2069,7 +2069,7 @@
           <a:p>
             <a:fld id="{3CE4A1EF-C8DC-47B8-827C-FF4C88C09EF1}" type="datetimeFigureOut">
               <a:rPr lang="en-US" smtClean="0"/>
-              <a:t>2/4/2019</a:t>
+              <a:t>2/5/2019</a:t>
             </a:fld>
             <a:endParaRPr lang="en-US"/>
           </a:p>
@@ -2380,7 +2380,7 @@
           <a:p>
             <a:fld id="{3CE4A1EF-C8DC-47B8-827C-FF4C88C09EF1}" type="datetimeFigureOut">
               <a:rPr lang="en-US" smtClean="0"/>
-              <a:t>2/4/2019</a:t>
+              <a:t>2/5/2019</a:t>
             </a:fld>
             <a:endParaRPr lang="en-US"/>
           </a:p>
@@ -2668,7 +2668,7 @@
           <a:p>
             <a:fld id="{3CE4A1EF-C8DC-47B8-827C-FF4C88C09EF1}" type="datetimeFigureOut">
               <a:rPr lang="en-US" smtClean="0"/>
-              <a:t>2/4/2019</a:t>
+              <a:t>2/5/2019</a:t>
             </a:fld>
             <a:endParaRPr lang="en-US"/>
           </a:p>
@@ -2909,7 +2909,7 @@
           <a:p>
             <a:fld id="{3CE4A1EF-C8DC-47B8-827C-FF4C88C09EF1}" type="datetimeFigureOut">
               <a:rPr lang="en-US" smtClean="0"/>
-              <a:t>2/4/2019</a:t>
+              <a:t>2/5/2019</a:t>
             </a:fld>
             <a:endParaRPr lang="en-US"/>
           </a:p>
@@ -3455,7 +3455,7 @@
           <a:lstStyle/>
           <a:p>
             <a:r>
-              <a:rPr lang="en-US">
+              <a:rPr lang="en-US" dirty="0">
                 <a:solidFill>
                   <a:srgbClr val="FFFFFF"/>
                 </a:solidFill>
@@ -3581,8 +3581,8 @@
         </p:nvSpPr>
         <p:spPr>
           <a:xfrm>
-            <a:off x="5259592" y="909143"/>
-            <a:ext cx="4007581" cy="5029586"/>
+            <a:off x="5184396" y="671119"/>
+            <a:ext cx="4303553" cy="5716982"/>
           </a:xfrm>
         </p:spPr>
         <p:txBody>
@@ -3620,7 +3620,7 @@
               <a:t>Open an internet browser and go to: </a:t>
             </a:r>
             <a:r>
-              <a:rPr lang="en-US" sz="2000" b="1" u="sng" dirty="0">
+              <a:rPr lang="en-US" sz="2400" b="1" u="sng" dirty="0">
                 <a:solidFill>
                   <a:srgbClr val="0070C0"/>
                 </a:solidFill>
@@ -3687,6 +3687,16 @@
             <a:r>
               <a:rPr lang="en-US" sz="1700" dirty="0"/>
               <a:t>Wait patiently until everyone has completed the survey</a:t>
+            </a:r>
+          </a:p>
+          <a:p>
+            <a:pPr marL="514350" indent="-514350">
+              <a:buFont typeface="+mj-lt"/>
+              <a:buAutoNum type="arabicPeriod"/>
+            </a:pPr>
+            <a:r>
+              <a:rPr lang="en-US" sz="1700" dirty="0"/>
+              <a:t>Put the notecard back in your envelope and pass it forward</a:t>
             </a:r>
           </a:p>
           <a:p>

--- a/Other/Mentor Survey Instructions.pptx
+++ b/Other/Mentor Survey Instructions.pptx
@@ -259,7 +259,7 @@
           <a:p>
             <a:fld id="{3CE4A1EF-C8DC-47B8-827C-FF4C88C09EF1}" type="datetimeFigureOut">
               <a:rPr lang="en-US" smtClean="0"/>
-              <a:t>2/5/2019</a:t>
+              <a:t>1/27/2020</a:t>
             </a:fld>
             <a:endParaRPr lang="en-US"/>
           </a:p>
@@ -457,7 +457,7 @@
           <a:p>
             <a:fld id="{3CE4A1EF-C8DC-47B8-827C-FF4C88C09EF1}" type="datetimeFigureOut">
               <a:rPr lang="en-US" smtClean="0"/>
-              <a:t>2/5/2019</a:t>
+              <a:t>1/27/2020</a:t>
             </a:fld>
             <a:endParaRPr lang="en-US"/>
           </a:p>
@@ -665,7 +665,7 @@
           <a:p>
             <a:fld id="{3CE4A1EF-C8DC-47B8-827C-FF4C88C09EF1}" type="datetimeFigureOut">
               <a:rPr lang="en-US" smtClean="0"/>
-              <a:t>2/5/2019</a:t>
+              <a:t>1/27/2020</a:t>
             </a:fld>
             <a:endParaRPr lang="en-US"/>
           </a:p>
@@ -863,7 +863,7 @@
           <a:p>
             <a:fld id="{3CE4A1EF-C8DC-47B8-827C-FF4C88C09EF1}" type="datetimeFigureOut">
               <a:rPr lang="en-US" smtClean="0"/>
-              <a:t>2/5/2019</a:t>
+              <a:t>1/27/2020</a:t>
             </a:fld>
             <a:endParaRPr lang="en-US"/>
           </a:p>
@@ -1138,7 +1138,7 @@
           <a:p>
             <a:fld id="{3CE4A1EF-C8DC-47B8-827C-FF4C88C09EF1}" type="datetimeFigureOut">
               <a:rPr lang="en-US" smtClean="0"/>
-              <a:t>2/5/2019</a:t>
+              <a:t>1/27/2020</a:t>
             </a:fld>
             <a:endParaRPr lang="en-US"/>
           </a:p>
@@ -1403,7 +1403,7 @@
           <a:p>
             <a:fld id="{3CE4A1EF-C8DC-47B8-827C-FF4C88C09EF1}" type="datetimeFigureOut">
               <a:rPr lang="en-US" smtClean="0"/>
-              <a:t>2/5/2019</a:t>
+              <a:t>1/27/2020</a:t>
             </a:fld>
             <a:endParaRPr lang="en-US"/>
           </a:p>
@@ -1815,7 +1815,7 @@
           <a:p>
             <a:fld id="{3CE4A1EF-C8DC-47B8-827C-FF4C88C09EF1}" type="datetimeFigureOut">
               <a:rPr lang="en-US" smtClean="0"/>
-              <a:t>2/5/2019</a:t>
+              <a:t>1/27/2020</a:t>
             </a:fld>
             <a:endParaRPr lang="en-US"/>
           </a:p>
@@ -1956,7 +1956,7 @@
           <a:p>
             <a:fld id="{3CE4A1EF-C8DC-47B8-827C-FF4C88C09EF1}" type="datetimeFigureOut">
               <a:rPr lang="en-US" smtClean="0"/>
-              <a:t>2/5/2019</a:t>
+              <a:t>1/27/2020</a:t>
             </a:fld>
             <a:endParaRPr lang="en-US"/>
           </a:p>
@@ -2069,7 +2069,7 @@
           <a:p>
             <a:fld id="{3CE4A1EF-C8DC-47B8-827C-FF4C88C09EF1}" type="datetimeFigureOut">
               <a:rPr lang="en-US" smtClean="0"/>
-              <a:t>2/5/2019</a:t>
+              <a:t>1/27/2020</a:t>
             </a:fld>
             <a:endParaRPr lang="en-US"/>
           </a:p>
@@ -2380,7 +2380,7 @@
           <a:p>
             <a:fld id="{3CE4A1EF-C8DC-47B8-827C-FF4C88C09EF1}" type="datetimeFigureOut">
               <a:rPr lang="en-US" smtClean="0"/>
-              <a:t>2/5/2019</a:t>
+              <a:t>1/27/2020</a:t>
             </a:fld>
             <a:endParaRPr lang="en-US"/>
           </a:p>
@@ -2668,7 +2668,7 @@
           <a:p>
             <a:fld id="{3CE4A1EF-C8DC-47B8-827C-FF4C88C09EF1}" type="datetimeFigureOut">
               <a:rPr lang="en-US" smtClean="0"/>
-              <a:t>2/5/2019</a:t>
+              <a:t>1/27/2020</a:t>
             </a:fld>
             <a:endParaRPr lang="en-US"/>
           </a:p>
@@ -2909,7 +2909,7 @@
           <a:p>
             <a:fld id="{3CE4A1EF-C8DC-47B8-827C-FF4C88C09EF1}" type="datetimeFigureOut">
               <a:rPr lang="en-US" smtClean="0"/>
-              <a:t>2/5/2019</a:t>
+              <a:t>1/27/2020</a:t>
             </a:fld>
             <a:endParaRPr lang="en-US"/>
           </a:p>
@@ -3597,7 +3597,7 @@
             </a:pPr>
             <a:r>
               <a:rPr lang="en-US" sz="1700" dirty="0"/>
-              <a:t>Pick up the envelope with your name (On the front table)</a:t>
+              <a:t>Take out your laptop/tablet</a:t>
             </a:r>
           </a:p>
           <a:p>
@@ -3607,8 +3607,22 @@
             </a:pPr>
             <a:r>
               <a:rPr lang="en-US" sz="1700" dirty="0"/>
-              <a:t>Take out your laptop/tablet</a:t>
-            </a:r>
+              <a:t>Open an internet browser and go to: </a:t>
+            </a:r>
+            <a:r>
+              <a:rPr lang="en-US" sz="2400" b="1" u="sng" dirty="0">
+                <a:solidFill>
+                  <a:srgbClr val="0070C0"/>
+                </a:solidFill>
+                <a:hlinkClick r:id="rId2" action="ppaction://hlinkfile"/>
+              </a:rPr>
+              <a:t>tinyurl.com/MintakeS20 </a:t>
+            </a:r>
+            <a:endParaRPr lang="en-US" sz="2400" b="1" u="sng" dirty="0">
+              <a:solidFill>
+                <a:srgbClr val="0070C0"/>
+              </a:solidFill>
+            </a:endParaRPr>
           </a:p>
           <a:p>
             <a:pPr marL="514350" indent="-514350">
@@ -3617,15 +3631,7 @@
             </a:pPr>
             <a:r>
               <a:rPr lang="en-US" sz="1700" dirty="0"/>
-              <a:t>Open an internet browser and go to: </a:t>
-            </a:r>
-            <a:r>
-              <a:rPr lang="en-US" sz="2400" b="1" u="sng" dirty="0">
-                <a:solidFill>
-                  <a:srgbClr val="0070C0"/>
-                </a:solidFill>
-              </a:rPr>
-              <a:t>tinyurl.com/MintS19 </a:t>
+              <a:t>Click through the survey</a:t>
             </a:r>
           </a:p>
           <a:p>
@@ -3635,7 +3641,11 @@
             </a:pPr>
             <a:r>
               <a:rPr lang="en-US" sz="1700" dirty="0"/>
-              <a:t>Click through the survey</a:t>
+              <a:t>Answer questions </a:t>
+            </a:r>
+            <a:r>
+              <a:rPr lang="en-US" sz="1700" i="1" dirty="0"/>
+              <a:t>honestly</a:t>
             </a:r>
           </a:p>
           <a:p>
@@ -3645,14 +3655,7 @@
             </a:pPr>
             <a:r>
               <a:rPr lang="en-US" sz="1700" dirty="0"/>
-              <a:t>When prompted, enter the ID# enclosed within your envelope</a:t>
-            </a:r>
-          </a:p>
-          <a:p>
-            <a:pPr lvl="1"/>
-            <a:r>
-              <a:rPr lang="en-US" sz="1700" dirty="0"/>
-              <a:t>E.g. “S19_0000”</a:t>
+              <a:t>Raise your hand if you have questions</a:t>
             </a:r>
           </a:p>
           <a:p>
@@ -3662,41 +3665,7 @@
             </a:pPr>
             <a:r>
               <a:rPr lang="en-US" sz="1700" dirty="0"/>
-              <a:t>Answer questions </a:t>
-            </a:r>
-            <a:r>
-              <a:rPr lang="en-US" sz="1700" i="1" dirty="0"/>
-              <a:t>honestly</a:t>
-            </a:r>
-          </a:p>
-          <a:p>
-            <a:pPr marL="514350" indent="-514350">
-              <a:buFont typeface="+mj-lt"/>
-              <a:buAutoNum type="arabicPeriod"/>
-            </a:pPr>
-            <a:r>
-              <a:rPr lang="en-US" sz="1700" dirty="0"/>
-              <a:t>Raise your hand if you have questions</a:t>
-            </a:r>
-          </a:p>
-          <a:p>
-            <a:pPr marL="514350" indent="-514350">
-              <a:buFont typeface="+mj-lt"/>
-              <a:buAutoNum type="arabicPeriod"/>
-            </a:pPr>
-            <a:r>
-              <a:rPr lang="en-US" sz="1700" dirty="0"/>
               <a:t>Wait patiently until everyone has completed the survey</a:t>
-            </a:r>
-          </a:p>
-          <a:p>
-            <a:pPr marL="514350" indent="-514350">
-              <a:buFont typeface="+mj-lt"/>
-              <a:buAutoNum type="arabicPeriod"/>
-            </a:pPr>
-            <a:r>
-              <a:rPr lang="en-US" sz="1700" dirty="0"/>
-              <a:t>Put the notecard back in your envelope and pass it forward</a:t>
             </a:r>
           </a:p>
           <a:p>
@@ -3824,7 +3793,7 @@
           <p:nvPr/>
         </p:nvPicPr>
         <p:blipFill>
-          <a:blip r:embed="rId2" cstate="print">
+          <a:blip r:embed="rId3" cstate="print">
             <a:extLst>
               <a:ext uri="{28A0092B-C50C-407E-A947-70E740481C1C}">
                 <a14:useLocalDpi xmlns:a14="http://schemas.microsoft.com/office/drawing/2010/main" val="0"/>
